--- a/figures/GunPoint.pptx
+++ b/figures/GunPoint.pptx
@@ -243,7 +243,7 @@
           <a:p>
             <a:fld id="{FA5B3755-7C7B-754F-ACC2-E7D238751182}" type="datetimeFigureOut">
               <a:rPr lang="en-US" smtClean="0"/>
-              <a:t>12/10/25</a:t>
+              <a:t>12/20/25</a:t>
             </a:fld>
             <a:endParaRPr lang="en-US"/>
           </a:p>
@@ -413,7 +413,7 @@
           <a:p>
             <a:fld id="{FA5B3755-7C7B-754F-ACC2-E7D238751182}" type="datetimeFigureOut">
               <a:rPr lang="en-US" smtClean="0"/>
-              <a:t>12/10/25</a:t>
+              <a:t>12/20/25</a:t>
             </a:fld>
             <a:endParaRPr lang="en-US"/>
           </a:p>
@@ -593,7 +593,7 @@
           <a:p>
             <a:fld id="{FA5B3755-7C7B-754F-ACC2-E7D238751182}" type="datetimeFigureOut">
               <a:rPr lang="en-US" smtClean="0"/>
-              <a:t>12/10/25</a:t>
+              <a:t>12/20/25</a:t>
             </a:fld>
             <a:endParaRPr lang="en-US"/>
           </a:p>
@@ -763,7 +763,7 @@
           <a:p>
             <a:fld id="{FA5B3755-7C7B-754F-ACC2-E7D238751182}" type="datetimeFigureOut">
               <a:rPr lang="en-US" smtClean="0"/>
-              <a:t>12/10/25</a:t>
+              <a:t>12/20/25</a:t>
             </a:fld>
             <a:endParaRPr lang="en-US"/>
           </a:p>
@@ -1009,7 +1009,7 @@
           <a:p>
             <a:fld id="{FA5B3755-7C7B-754F-ACC2-E7D238751182}" type="datetimeFigureOut">
               <a:rPr lang="en-US" smtClean="0"/>
-              <a:t>12/10/25</a:t>
+              <a:t>12/20/25</a:t>
             </a:fld>
             <a:endParaRPr lang="en-US"/>
           </a:p>
@@ -1241,7 +1241,7 @@
           <a:p>
             <a:fld id="{FA5B3755-7C7B-754F-ACC2-E7D238751182}" type="datetimeFigureOut">
               <a:rPr lang="en-US" smtClean="0"/>
-              <a:t>12/10/25</a:t>
+              <a:t>12/20/25</a:t>
             </a:fld>
             <a:endParaRPr lang="en-US"/>
           </a:p>
@@ -1608,7 +1608,7 @@
           <a:p>
             <a:fld id="{FA5B3755-7C7B-754F-ACC2-E7D238751182}" type="datetimeFigureOut">
               <a:rPr lang="en-US" smtClean="0"/>
-              <a:t>12/10/25</a:t>
+              <a:t>12/20/25</a:t>
             </a:fld>
             <a:endParaRPr lang="en-US"/>
           </a:p>
@@ -1726,7 +1726,7 @@
           <a:p>
             <a:fld id="{FA5B3755-7C7B-754F-ACC2-E7D238751182}" type="datetimeFigureOut">
               <a:rPr lang="en-US" smtClean="0"/>
-              <a:t>12/10/25</a:t>
+              <a:t>12/20/25</a:t>
             </a:fld>
             <a:endParaRPr lang="en-US"/>
           </a:p>
@@ -1821,7 +1821,7 @@
           <a:p>
             <a:fld id="{FA5B3755-7C7B-754F-ACC2-E7D238751182}" type="datetimeFigureOut">
               <a:rPr lang="en-US" smtClean="0"/>
-              <a:t>12/10/25</a:t>
+              <a:t>12/20/25</a:t>
             </a:fld>
             <a:endParaRPr lang="en-US"/>
           </a:p>
@@ -2098,7 +2098,7 @@
           <a:p>
             <a:fld id="{FA5B3755-7C7B-754F-ACC2-E7D238751182}" type="datetimeFigureOut">
               <a:rPr lang="en-US" smtClean="0"/>
-              <a:t>12/10/25</a:t>
+              <a:t>12/20/25</a:t>
             </a:fld>
             <a:endParaRPr lang="en-US"/>
           </a:p>
@@ -2355,7 +2355,7 @@
           <a:p>
             <a:fld id="{FA5B3755-7C7B-754F-ACC2-E7D238751182}" type="datetimeFigureOut">
               <a:rPr lang="en-US" smtClean="0"/>
-              <a:t>12/10/25</a:t>
+              <a:t>12/20/25</a:t>
             </a:fld>
             <a:endParaRPr lang="en-US"/>
           </a:p>
@@ -2568,7 +2568,7 @@
           <a:p>
             <a:fld id="{FA5B3755-7C7B-754F-ACC2-E7D238751182}" type="datetimeFigureOut">
               <a:rPr lang="en-US" smtClean="0"/>
-              <a:t>12/10/25</a:t>
+              <a:t>12/20/25</a:t>
             </a:fld>
             <a:endParaRPr lang="en-US"/>
           </a:p>
@@ -2975,10 +2975,10 @@
       </p:grpSpPr>
       <p:pic>
         <p:nvPicPr>
-          <p:cNvPr id="2" name="Picture 1">
+          <p:cNvPr id="6" name="Picture 5">
             <a:extLst>
               <a:ext uri="{FF2B5EF4-FFF2-40B4-BE49-F238E27FC236}">
-                <a16:creationId xmlns:a16="http://schemas.microsoft.com/office/drawing/2014/main" id="{EE0ACCC0-5C34-0485-781D-7D8DF651FDF3}"/>
+                <a16:creationId xmlns:a16="http://schemas.microsoft.com/office/drawing/2014/main" id="{1D7162D6-FAFC-D9C4-BA33-3C4F8851D672}"/>
               </a:ext>
             </a:extLst>
           </p:cNvPr>
@@ -2995,8 +2995,8 @@
         </p:blipFill>
         <p:spPr>
           <a:xfrm>
-            <a:off x="4637108" y="-11718"/>
-            <a:ext cx="3774540" cy="2815927"/>
+            <a:off x="550864" y="132189"/>
+            <a:ext cx="3873346" cy="2889639"/>
           </a:xfrm>
           <a:prstGeom prst="rect">
             <a:avLst/>
@@ -3005,10 +3005,10 @@
       </p:pic>
       <p:pic>
         <p:nvPicPr>
-          <p:cNvPr id="3" name="Picture 2">
+          <p:cNvPr id="7" name="Picture 6">
             <a:extLst>
               <a:ext uri="{FF2B5EF4-FFF2-40B4-BE49-F238E27FC236}">
-                <a16:creationId xmlns:a16="http://schemas.microsoft.com/office/drawing/2014/main" id="{98204547-E194-B2D0-8385-3B97611665EC}"/>
+                <a16:creationId xmlns:a16="http://schemas.microsoft.com/office/drawing/2014/main" id="{BE54677A-C01E-21DB-240C-547E7A7FB99F}"/>
               </a:ext>
             </a:extLst>
           </p:cNvPr>
@@ -3025,8 +3025,8 @@
         </p:blipFill>
         <p:spPr>
           <a:xfrm>
-            <a:off x="503940" y="23130"/>
-            <a:ext cx="3814541" cy="2845768"/>
+            <a:off x="4320991" y="23130"/>
+            <a:ext cx="4162299" cy="3105207"/>
           </a:xfrm>
           <a:prstGeom prst="rect">
             <a:avLst/>
@@ -3047,7 +3047,7 @@
         </p:nvSpPr>
         <p:spPr>
           <a:xfrm>
-            <a:off x="2013186" y="802652"/>
+            <a:off x="2069481" y="868140"/>
             <a:ext cx="732893" cy="307777"/>
           </a:xfrm>
           <a:prstGeom prst="rect">
@@ -3085,7 +3085,7 @@
         </p:nvSpPr>
         <p:spPr>
           <a:xfrm>
-            <a:off x="1635982" y="2368972"/>
+            <a:off x="2006087" y="2368972"/>
             <a:ext cx="1053494" cy="307777"/>
           </a:xfrm>
           <a:prstGeom prst="rect">
@@ -3125,7 +3125,7 @@
         </p:nvCxnSpPr>
         <p:spPr>
           <a:xfrm flipV="1">
-            <a:off x="2379631" y="351838"/>
+            <a:off x="2435926" y="417326"/>
             <a:ext cx="0" cy="403860"/>
           </a:xfrm>
           <a:prstGeom prst="straightConnector1">
@@ -3164,7 +3164,7 @@
         </p:nvSpPr>
         <p:spPr>
           <a:xfrm>
-            <a:off x="6065275" y="719066"/>
+            <a:off x="6006037" y="722123"/>
             <a:ext cx="792205" cy="307777"/>
           </a:xfrm>
           <a:prstGeom prst="rect">
@@ -3199,13 +3199,14 @@
           </p:cNvPr>
           <p:cNvCxnSpPr>
             <a:cxnSpLocks/>
+            <a:stCxn id="10" idx="1"/>
           </p:cNvCxnSpPr>
           <p:nvPr/>
         </p:nvCxnSpPr>
         <p:spPr>
-          <a:xfrm flipH="1">
-            <a:off x="1162194" y="2522859"/>
-            <a:ext cx="501038" cy="0"/>
+          <a:xfrm flipH="1" flipV="1">
+            <a:off x="1297319" y="2520135"/>
+            <a:ext cx="708768" cy="2726"/>
           </a:xfrm>
           <a:prstGeom prst="straightConnector1">
             <a:avLst/>
@@ -3243,7 +3244,7 @@
         </p:nvSpPr>
         <p:spPr>
           <a:xfrm>
-            <a:off x="5696453" y="2406750"/>
+            <a:off x="5875394" y="2676749"/>
             <a:ext cx="1053494" cy="307777"/>
           </a:xfrm>
           <a:prstGeom prst="rect">
@@ -3278,13 +3279,14 @@
           </p:cNvPr>
           <p:cNvCxnSpPr>
             <a:cxnSpLocks/>
+            <a:stCxn id="27" idx="1"/>
           </p:cNvCxnSpPr>
           <p:nvPr/>
         </p:nvCxnSpPr>
         <p:spPr>
           <a:xfrm flipH="1" flipV="1">
-            <a:off x="5381877" y="2522859"/>
-            <a:ext cx="381869" cy="53018"/>
+            <a:off x="5741773" y="2759676"/>
+            <a:ext cx="133621" cy="70962"/>
           </a:xfrm>
           <a:prstGeom prst="straightConnector1">
             <a:avLst/>
@@ -3442,7 +3444,7 @@
         <p:spPr>
           <a:xfrm>
             <a:off x="1297319" y="1022029"/>
-            <a:ext cx="204907" cy="868646"/>
+            <a:ext cx="173270" cy="1075074"/>
           </a:xfrm>
           <a:prstGeom prst="straightConnector1">
             <a:avLst/>
@@ -3482,8 +3484,8 @@
         </p:nvCxnSpPr>
         <p:spPr>
           <a:xfrm>
-            <a:off x="1201745" y="1716162"/>
-            <a:ext cx="24163" cy="407252"/>
+            <a:off x="1157342" y="1728893"/>
+            <a:ext cx="139977" cy="350130"/>
           </a:xfrm>
           <a:prstGeom prst="straightConnector1">
             <a:avLst/>
@@ -3524,8 +3526,8 @@
         </p:nvCxnSpPr>
         <p:spPr>
           <a:xfrm>
-            <a:off x="2689476" y="2522861"/>
-            <a:ext cx="997667" cy="52532"/>
+            <a:off x="3059581" y="2522861"/>
+            <a:ext cx="827654" cy="153888"/>
           </a:xfrm>
           <a:prstGeom prst="straightConnector1">
             <a:avLst/>
@@ -3560,13 +3562,14 @@
           </p:cNvPr>
           <p:cNvCxnSpPr>
             <a:cxnSpLocks/>
+            <a:stCxn id="27" idx="3"/>
           </p:cNvCxnSpPr>
           <p:nvPr/>
         </p:nvCxnSpPr>
         <p:spPr>
-          <a:xfrm flipV="1">
-            <a:off x="6711956" y="2560639"/>
-            <a:ext cx="281903" cy="10658"/>
+          <a:xfrm>
+            <a:off x="6928888" y="2830638"/>
+            <a:ext cx="103218" cy="0"/>
           </a:xfrm>
           <a:prstGeom prst="straightConnector1">
             <a:avLst/>
@@ -3604,7 +3607,7 @@
         </p:nvSpPr>
         <p:spPr>
           <a:xfrm>
-            <a:off x="3758792" y="132193"/>
+            <a:off x="3976481" y="132189"/>
             <a:ext cx="1226618" cy="307777"/>
           </a:xfrm>
           <a:prstGeom prst="rect">
@@ -3639,13 +3642,14 @@
           </p:cNvPr>
           <p:cNvCxnSpPr>
             <a:cxnSpLocks/>
+            <a:stCxn id="82" idx="3"/>
           </p:cNvCxnSpPr>
           <p:nvPr/>
         </p:nvCxnSpPr>
         <p:spPr>
-          <a:xfrm flipV="1">
-            <a:off x="4979987" y="280906"/>
-            <a:ext cx="338773" cy="19296"/>
+          <a:xfrm>
+            <a:off x="5203099" y="286078"/>
+            <a:ext cx="839064" cy="0"/>
           </a:xfrm>
           <a:prstGeom prst="straightConnector1">
             <a:avLst/>
@@ -3684,9 +3688,9 @@
           <p:nvPr/>
         </p:nvCxnSpPr>
         <p:spPr>
-          <a:xfrm flipH="1" flipV="1">
-            <a:off x="3059581" y="263072"/>
-            <a:ext cx="699214" cy="23006"/>
+          <a:xfrm flipH="1">
+            <a:off x="3075085" y="286077"/>
+            <a:ext cx="901396" cy="48435"/>
           </a:xfrm>
           <a:prstGeom prst="straightConnector1">
             <a:avLst/>
